--- a/ArrayStack/Video.pptx
+++ b/ArrayStack/Video.pptx
@@ -12,6 +12,8 @@
     <p:sldId id="258" r:id="rId6"/>
     <p:sldId id="262" r:id="rId7"/>
     <p:sldId id="260" r:id="rId8"/>
+    <p:sldId id="263" r:id="rId9"/>
+    <p:sldId id="264" r:id="rId10"/>
   </p:sldIdLst>
   <p:sldSz cx="12192000" cy="6858000"/>
   <p:notesSz cx="6858000" cy="9144000"/>
@@ -110,6 +112,11 @@
       </a:defRPr>
     </a:lvl9pPr>
   </p:defaultTextStyle>
+  <p:extLst>
+    <p:ext uri="{EFAFB233-063F-42B5-8137-9DF3F51BA10A}">
+      <p15:sldGuideLst xmlns:p15="http://schemas.microsoft.com/office/powerpoint/2012/main"/>
+    </p:ext>
+  </p:extLst>
 </p:presentation>
 </file>
 
@@ -262,7 +269,7 @@
           <a:p>
             <a:fld id="{05BBEA81-5D17-4236-995B-0F99D982B2AB}" type="datetimeFigureOut">
               <a:rPr lang="es-GT" smtClean="0"/>
-              <a:t>26/01/2020</a:t>
+              <a:t>3/02/2020</a:t>
             </a:fld>
             <a:endParaRPr lang="es-GT"/>
           </a:p>
@@ -462,7 +469,7 @@
           <a:p>
             <a:fld id="{05BBEA81-5D17-4236-995B-0F99D982B2AB}" type="datetimeFigureOut">
               <a:rPr lang="es-GT" smtClean="0"/>
-              <a:t>26/01/2020</a:t>
+              <a:t>3/02/2020</a:t>
             </a:fld>
             <a:endParaRPr lang="es-GT"/>
           </a:p>
@@ -672,7 +679,7 @@
           <a:p>
             <a:fld id="{05BBEA81-5D17-4236-995B-0F99D982B2AB}" type="datetimeFigureOut">
               <a:rPr lang="es-GT" smtClean="0"/>
-              <a:t>26/01/2020</a:t>
+              <a:t>3/02/2020</a:t>
             </a:fld>
             <a:endParaRPr lang="es-GT"/>
           </a:p>
@@ -872,7 +879,7 @@
           <a:p>
             <a:fld id="{05BBEA81-5D17-4236-995B-0F99D982B2AB}" type="datetimeFigureOut">
               <a:rPr lang="es-GT" smtClean="0"/>
-              <a:t>26/01/2020</a:t>
+              <a:t>3/02/2020</a:t>
             </a:fld>
             <a:endParaRPr lang="es-GT"/>
           </a:p>
@@ -1148,7 +1155,7 @@
           <a:p>
             <a:fld id="{05BBEA81-5D17-4236-995B-0F99D982B2AB}" type="datetimeFigureOut">
               <a:rPr lang="es-GT" smtClean="0"/>
-              <a:t>26/01/2020</a:t>
+              <a:t>3/02/2020</a:t>
             </a:fld>
             <a:endParaRPr lang="es-GT"/>
           </a:p>
@@ -1416,7 +1423,7 @@
           <a:p>
             <a:fld id="{05BBEA81-5D17-4236-995B-0F99D982B2AB}" type="datetimeFigureOut">
               <a:rPr lang="es-GT" smtClean="0"/>
-              <a:t>26/01/2020</a:t>
+              <a:t>3/02/2020</a:t>
             </a:fld>
             <a:endParaRPr lang="es-GT"/>
           </a:p>
@@ -1831,7 +1838,7 @@
           <a:p>
             <a:fld id="{05BBEA81-5D17-4236-995B-0F99D982B2AB}" type="datetimeFigureOut">
               <a:rPr lang="es-GT" smtClean="0"/>
-              <a:t>26/01/2020</a:t>
+              <a:t>3/02/2020</a:t>
             </a:fld>
             <a:endParaRPr lang="es-GT"/>
           </a:p>
@@ -1973,7 +1980,7 @@
           <a:p>
             <a:fld id="{05BBEA81-5D17-4236-995B-0F99D982B2AB}" type="datetimeFigureOut">
               <a:rPr lang="es-GT" smtClean="0"/>
-              <a:t>26/01/2020</a:t>
+              <a:t>3/02/2020</a:t>
             </a:fld>
             <a:endParaRPr lang="es-GT"/>
           </a:p>
@@ -2086,7 +2093,7 @@
           <a:p>
             <a:fld id="{05BBEA81-5D17-4236-995B-0F99D982B2AB}" type="datetimeFigureOut">
               <a:rPr lang="es-GT" smtClean="0"/>
-              <a:t>26/01/2020</a:t>
+              <a:t>3/02/2020</a:t>
             </a:fld>
             <a:endParaRPr lang="es-GT"/>
           </a:p>
@@ -2399,7 +2406,7 @@
           <a:p>
             <a:fld id="{05BBEA81-5D17-4236-995B-0F99D982B2AB}" type="datetimeFigureOut">
               <a:rPr lang="es-GT" smtClean="0"/>
-              <a:t>26/01/2020</a:t>
+              <a:t>3/02/2020</a:t>
             </a:fld>
             <a:endParaRPr lang="es-GT"/>
           </a:p>
@@ -2688,7 +2695,7 @@
           <a:p>
             <a:fld id="{05BBEA81-5D17-4236-995B-0F99D982B2AB}" type="datetimeFigureOut">
               <a:rPr lang="es-GT" smtClean="0"/>
-              <a:t>26/01/2020</a:t>
+              <a:t>3/02/2020</a:t>
             </a:fld>
             <a:endParaRPr lang="es-GT"/>
           </a:p>
@@ -2931,7 +2938,7 @@
           <a:p>
             <a:fld id="{05BBEA81-5D17-4236-995B-0F99D982B2AB}" type="datetimeFigureOut">
               <a:rPr lang="es-GT" smtClean="0"/>
-              <a:t>26/01/2020</a:t>
+              <a:t>3/02/2020</a:t>
             </a:fld>
             <a:endParaRPr lang="es-GT"/>
           </a:p>
@@ -6434,6 +6441,809 @@
 </p:sld>
 </file>
 
+<file path=ppt/slides/slide8.xml><?xml version="1.0" encoding="utf-8"?>
+<p:sld xmlns:a="http://schemas.openxmlformats.org/drawingml/2006/main" xmlns:r="http://schemas.openxmlformats.org/officeDocument/2006/relationships" xmlns:p="http://schemas.openxmlformats.org/presentationml/2006/main">
+  <p:cSld>
+    <p:bg>
+      <p:bgPr>
+        <a:solidFill>
+          <a:schemeClr val="bg1"/>
+        </a:solidFill>
+        <a:effectLst/>
+      </p:bgPr>
+    </p:bg>
+    <p:spTree>
+      <p:nvGrpSpPr>
+        <p:cNvPr id="1" name=""/>
+        <p:cNvGrpSpPr/>
+        <p:nvPr/>
+      </p:nvGrpSpPr>
+      <p:grpSpPr>
+        <a:xfrm>
+          <a:off x="0" y="0"/>
+          <a:ext cx="0" cy="0"/>
+          <a:chOff x="0" y="0"/>
+          <a:chExt cx="0" cy="0"/>
+        </a:xfrm>
+      </p:grpSpPr>
+      <p:sp>
+        <p:nvSpPr>
+          <p:cNvPr id="23" name="Down Arrow 7">
+            <a:extLst>
+              <a:ext uri="{FF2B5EF4-FFF2-40B4-BE49-F238E27FC236}">
+                <a16:creationId xmlns:a16="http://schemas.microsoft.com/office/drawing/2014/main" id="{B547373F-AF2E-4907-B442-9F902B387FD0}"/>
+              </a:ext>
+              <a:ext uri="{C183D7F6-B498-43B3-948B-1728B52AA6E4}">
+                <adec:decorative xmlns:adec="http://schemas.microsoft.com/office/drawing/2017/decorative" val="1"/>
+              </a:ext>
+            </a:extLst>
+          </p:cNvPr>
+          <p:cNvSpPr>
+            <a:spLocks noGrp="1" noRot="1" noChangeAspect="1" noMove="1" noResize="1" noEditPoints="1" noAdjustHandles="1" noChangeArrowheads="1" noChangeShapeType="1" noTextEdit="1"/>
+          </p:cNvSpPr>
+          <p:nvPr>
+            <p:extLst>
+              <p:ext uri="{386F3935-93C4-4BCD-93E2-E3B085C9AB24}">
+                <p16:designElem xmlns:p16="http://schemas.microsoft.com/office/powerpoint/2015/main" val="1"/>
+              </p:ext>
+            </p:extLst>
+          </p:nvPr>
+        </p:nvSpPr>
+        <p:spPr>
+          <a:xfrm>
+            <a:off x="800100" y="-4763"/>
+            <a:ext cx="3333749" cy="3338514"/>
+          </a:xfrm>
+          <a:prstGeom prst="downArrow">
+            <a:avLst>
+              <a:gd name="adj1" fmla="val 100000"/>
+              <a:gd name="adj2" fmla="val 26890"/>
+            </a:avLst>
+          </a:prstGeom>
+          <a:solidFill>
+            <a:schemeClr val="tx1">
+              <a:lumMod val="85000"/>
+              <a:lumOff val="15000"/>
+            </a:schemeClr>
+          </a:solidFill>
+          <a:ln w="53975">
+            <a:noFill/>
+          </a:ln>
+        </p:spPr>
+        <p:style>
+          <a:lnRef idx="2">
+            <a:schemeClr val="accent1">
+              <a:shade val="50000"/>
+            </a:schemeClr>
+          </a:lnRef>
+          <a:fillRef idx="1">
+            <a:schemeClr val="accent1"/>
+          </a:fillRef>
+          <a:effectRef idx="0">
+            <a:schemeClr val="accent1"/>
+          </a:effectRef>
+          <a:fontRef idx="minor">
+            <a:schemeClr val="lt1"/>
+          </a:fontRef>
+        </p:style>
+        <p:txBody>
+          <a:bodyPr rtlCol="0" anchor="ctr"/>
+          <a:lstStyle/>
+          <a:p>
+            <a:pPr algn="ctr"/>
+            <a:endParaRPr lang="en-US"/>
+          </a:p>
+        </p:txBody>
+      </p:sp>
+      <p:sp>
+        <p:nvSpPr>
+          <p:cNvPr id="2" name="Título 1">
+            <a:extLst>
+              <a:ext uri="{FF2B5EF4-FFF2-40B4-BE49-F238E27FC236}">
+                <a16:creationId xmlns:a16="http://schemas.microsoft.com/office/drawing/2014/main" id="{28E9AD56-72CC-44B7-9473-52D8D1AC8A1D}"/>
+              </a:ext>
+            </a:extLst>
+          </p:cNvPr>
+          <p:cNvSpPr>
+            <a:spLocks noGrp="1"/>
+          </p:cNvSpPr>
+          <p:nvPr>
+            <p:ph type="title"/>
+          </p:nvPr>
+        </p:nvSpPr>
+        <p:spPr>
+          <a:xfrm>
+            <a:off x="1028700" y="190501"/>
+            <a:ext cx="2886075" cy="2486024"/>
+          </a:xfrm>
+          <a:noFill/>
+        </p:spPr>
+        <p:txBody>
+          <a:bodyPr vert="horz" lIns="91440" tIns="45720" rIns="91440" bIns="45720" rtlCol="0" anchor="ctr">
+            <a:normAutofit/>
+          </a:bodyPr>
+          <a:lstStyle/>
+          <a:p>
+            <a:pPr algn="ctr"/>
+            <a:r>
+              <a:rPr lang="en-US" sz="3300" dirty="0">
+                <a:solidFill>
+                  <a:schemeClr val="bg1"/>
+                </a:solidFill>
+              </a:rPr>
+              <a:t>A </a:t>
+            </a:r>
+            <a:r>
+              <a:rPr lang="en-US" sz="3300" dirty="0" err="1">
+                <a:solidFill>
+                  <a:schemeClr val="bg1"/>
+                </a:solidFill>
+              </a:rPr>
+              <a:t>continuación</a:t>
+            </a:r>
+            <a:r>
+              <a:rPr lang="en-US" sz="3300" dirty="0">
+                <a:solidFill>
+                  <a:schemeClr val="bg1"/>
+                </a:solidFill>
+              </a:rPr>
+              <a:t> la </a:t>
+            </a:r>
+            <a:r>
+              <a:rPr lang="en-US" sz="3300" dirty="0" err="1">
+                <a:solidFill>
+                  <a:schemeClr val="bg1"/>
+                </a:solidFill>
+              </a:rPr>
+              <a:t>aplicación</a:t>
+            </a:r>
+            <a:r>
+              <a:rPr lang="en-US" sz="3300" dirty="0">
+                <a:solidFill>
+                  <a:schemeClr val="bg1"/>
+                </a:solidFill>
+              </a:rPr>
+              <a:t> de </a:t>
+            </a:r>
+            <a:r>
+              <a:rPr lang="en-US" sz="3300" dirty="0" err="1">
+                <a:solidFill>
+                  <a:schemeClr val="bg1"/>
+                </a:solidFill>
+              </a:rPr>
+              <a:t>débitos</a:t>
+            </a:r>
+            <a:r>
+              <a:rPr lang="en-US" sz="3300" dirty="0">
+                <a:solidFill>
+                  <a:schemeClr val="bg1"/>
+                </a:solidFill>
+              </a:rPr>
+              <a:t> y </a:t>
+            </a:r>
+            <a:r>
+              <a:rPr lang="en-US" sz="3300" dirty="0" err="1">
+                <a:solidFill>
+                  <a:schemeClr val="bg1"/>
+                </a:solidFill>
+              </a:rPr>
+              <a:t>créditos</a:t>
+            </a:r>
+            <a:endParaRPr lang="en-US" sz="3300" dirty="0">
+              <a:solidFill>
+                <a:schemeClr val="bg1"/>
+              </a:solidFill>
+            </a:endParaRPr>
+          </a:p>
+        </p:txBody>
+      </p:sp>
+    </p:spTree>
+    <p:extLst>
+      <p:ext uri="{BB962C8B-B14F-4D97-AF65-F5344CB8AC3E}">
+        <p14:creationId xmlns:p14="http://schemas.microsoft.com/office/powerpoint/2010/main" val="3061433592"/>
+      </p:ext>
+    </p:extLst>
+  </p:cSld>
+  <p:clrMapOvr>
+    <a:masterClrMapping/>
+  </p:clrMapOvr>
+</p:sld>
+</file>
+
+<file path=ppt/slides/slide9.xml><?xml version="1.0" encoding="utf-8"?>
+<p:sld xmlns:a="http://schemas.openxmlformats.org/drawingml/2006/main" xmlns:r="http://schemas.openxmlformats.org/officeDocument/2006/relationships" xmlns:p="http://schemas.openxmlformats.org/presentationml/2006/main">
+  <p:cSld>
+    <p:bg>
+      <p:bgPr>
+        <a:solidFill>
+          <a:schemeClr val="bg1"/>
+        </a:solidFill>
+        <a:effectLst/>
+      </p:bgPr>
+    </p:bg>
+    <p:spTree>
+      <p:nvGrpSpPr>
+        <p:cNvPr id="1" name=""/>
+        <p:cNvGrpSpPr/>
+        <p:nvPr/>
+      </p:nvGrpSpPr>
+      <p:grpSpPr>
+        <a:xfrm>
+          <a:off x="0" y="0"/>
+          <a:ext cx="0" cy="0"/>
+          <a:chOff x="0" y="0"/>
+          <a:chExt cx="0" cy="0"/>
+        </a:xfrm>
+      </p:grpSpPr>
+      <p:sp>
+        <p:nvSpPr>
+          <p:cNvPr id="10" name="Rectangle 9">
+            <a:extLst>
+              <a:ext uri="{FF2B5EF4-FFF2-40B4-BE49-F238E27FC236}">
+                <a16:creationId xmlns:a16="http://schemas.microsoft.com/office/drawing/2014/main" id="{CDA1A2E9-63FE-408D-A803-8E306ECAB4B3}"/>
+              </a:ext>
+              <a:ext uri="{C183D7F6-B498-43B3-948B-1728B52AA6E4}">
+                <adec:decorative xmlns:adec="http://schemas.microsoft.com/office/drawing/2017/decorative" val="1"/>
+              </a:ext>
+            </a:extLst>
+          </p:cNvPr>
+          <p:cNvSpPr>
+            <a:spLocks noGrp="1" noRot="1" noChangeAspect="1" noMove="1" noResize="1" noEditPoints="1" noAdjustHandles="1" noChangeArrowheads="1" noChangeShapeType="1" noTextEdit="1"/>
+          </p:cNvSpPr>
+          <p:nvPr>
+            <p:extLst>
+              <p:ext uri="{386F3935-93C4-4BCD-93E2-E3B085C9AB24}">
+                <p16:designElem xmlns:p16="http://schemas.microsoft.com/office/powerpoint/2015/main" val="1"/>
+              </p:ext>
+            </p:extLst>
+          </p:nvPr>
+        </p:nvSpPr>
+        <p:spPr>
+          <a:xfrm>
+            <a:off x="462058" y="450221"/>
+            <a:ext cx="8997696" cy="3918123"/>
+          </a:xfrm>
+          <a:prstGeom prst="rect">
+            <a:avLst/>
+          </a:prstGeom>
+          <a:solidFill>
+            <a:srgbClr val="595959"/>
+          </a:solidFill>
+          <a:ln w="25400">
+            <a:noFill/>
+          </a:ln>
+        </p:spPr>
+        <p:style>
+          <a:lnRef idx="2">
+            <a:schemeClr val="accent1">
+              <a:shade val="50000"/>
+            </a:schemeClr>
+          </a:lnRef>
+          <a:fillRef idx="1">
+            <a:schemeClr val="accent1"/>
+          </a:fillRef>
+          <a:effectRef idx="0">
+            <a:schemeClr val="accent1"/>
+          </a:effectRef>
+          <a:fontRef idx="minor">
+            <a:schemeClr val="lt1"/>
+          </a:fontRef>
+        </p:style>
+        <p:txBody>
+          <a:bodyPr rtlCol="0" anchor="ctr"/>
+          <a:lstStyle/>
+          <a:p>
+            <a:pPr marL="0" marR="0" lvl="0" indent="0" algn="ctr" defTabSz="914400" rtl="0" eaLnBrk="1" fontAlgn="auto" latinLnBrk="0" hangingPunct="1">
+              <a:lnSpc>
+                <a:spcPct val="100000"/>
+              </a:lnSpc>
+              <a:spcBef>
+                <a:spcPts val="0"/>
+              </a:spcBef>
+              <a:spcAft>
+                <a:spcPts val="0"/>
+              </a:spcAft>
+              <a:buClrTx/>
+              <a:buSzTx/>
+              <a:buFontTx/>
+              <a:buNone/>
+              <a:tabLst/>
+              <a:defRPr/>
+            </a:pPr>
+            <a:endParaRPr kumimoji="0" lang="en-US" sz="1800" b="0" i="0" u="none" strike="noStrike" kern="1200" cap="none" spc="0" normalizeH="0" baseline="0" noProof="0">
+              <a:ln>
+                <a:noFill/>
+              </a:ln>
+              <a:solidFill>
+                <a:srgbClr val="404040"/>
+              </a:solidFill>
+              <a:effectLst/>
+              <a:uLnTx/>
+              <a:uFillTx/>
+              <a:latin typeface="Calibri" panose="020F0502020204030204"/>
+              <a:ea typeface="+mn-ea"/>
+              <a:cs typeface="+mn-cs"/>
+            </a:endParaRPr>
+          </a:p>
+        </p:txBody>
+      </p:sp>
+      <p:sp>
+        <p:nvSpPr>
+          <p:cNvPr id="2" name="Título 1">
+            <a:extLst>
+              <a:ext uri="{FF2B5EF4-FFF2-40B4-BE49-F238E27FC236}">
+                <a16:creationId xmlns:a16="http://schemas.microsoft.com/office/drawing/2014/main" id="{AC50F916-2141-43C4-9E42-2767F369CA71}"/>
+              </a:ext>
+            </a:extLst>
+          </p:cNvPr>
+          <p:cNvSpPr>
+            <a:spLocks noGrp="1"/>
+          </p:cNvSpPr>
+          <p:nvPr>
+            <p:ph type="title"/>
+          </p:nvPr>
+        </p:nvSpPr>
+        <p:spPr>
+          <a:xfrm>
+            <a:off x="1100668" y="1111086"/>
+            <a:ext cx="8138581" cy="2623885"/>
+          </a:xfrm>
+        </p:spPr>
+        <p:txBody>
+          <a:bodyPr vert="horz" lIns="91440" tIns="45720" rIns="91440" bIns="45720" rtlCol="0" anchor="ctr">
+            <a:normAutofit fontScale="90000"/>
+          </a:bodyPr>
+          <a:lstStyle/>
+          <a:p>
+            <a:r>
+              <a:rPr lang="en-US" sz="6600" kern="1200" dirty="0">
+                <a:solidFill>
+                  <a:srgbClr val="FFFFFF"/>
+                </a:solidFill>
+                <a:latin typeface="+mj-lt"/>
+                <a:ea typeface="+mj-ea"/>
+                <a:cs typeface="+mj-cs"/>
+              </a:rPr>
+              <a:t>Las </a:t>
+            </a:r>
+            <a:r>
+              <a:rPr lang="en-US" sz="6600" kern="1200" dirty="0" err="1">
+                <a:solidFill>
+                  <a:srgbClr val="FFFFFF"/>
+                </a:solidFill>
+                <a:latin typeface="+mj-lt"/>
+                <a:ea typeface="+mj-ea"/>
+                <a:cs typeface="+mj-cs"/>
+              </a:rPr>
+              <a:t>operaciones</a:t>
+            </a:r>
+            <a:r>
+              <a:rPr lang="en-US" sz="6600" kern="1200" dirty="0">
+                <a:solidFill>
+                  <a:srgbClr val="FFFFFF"/>
+                </a:solidFill>
+                <a:latin typeface="+mj-lt"/>
+                <a:ea typeface="+mj-ea"/>
+                <a:cs typeface="+mj-cs"/>
+              </a:rPr>
+              <a:t> a-</a:t>
+            </a:r>
+            <a:r>
+              <a:rPr lang="en-US" sz="6600" dirty="0">
+                <a:solidFill>
+                  <a:srgbClr val="FFFFFF"/>
+                </a:solidFill>
+              </a:rPr>
+              <a:t>j </a:t>
+            </a:r>
+            <a:r>
+              <a:rPr lang="en-US" sz="6600" kern="1200" dirty="0" err="1">
+                <a:solidFill>
+                  <a:srgbClr val="FFFFFF"/>
+                </a:solidFill>
+                <a:latin typeface="+mj-lt"/>
+                <a:ea typeface="+mj-ea"/>
+                <a:cs typeface="+mj-cs"/>
+              </a:rPr>
+              <a:t>están</a:t>
+            </a:r>
+            <a:r>
+              <a:rPr lang="en-US" sz="6600" kern="1200" dirty="0">
+                <a:solidFill>
+                  <a:srgbClr val="FFFFFF"/>
+                </a:solidFill>
+                <a:latin typeface="+mj-lt"/>
+                <a:ea typeface="+mj-ea"/>
+                <a:cs typeface="+mj-cs"/>
+              </a:rPr>
+              <a:t> </a:t>
+            </a:r>
+            <a:r>
+              <a:rPr lang="en-US" sz="6600" kern="1200" dirty="0" err="1">
+                <a:solidFill>
+                  <a:srgbClr val="FFFFFF"/>
+                </a:solidFill>
+                <a:latin typeface="+mj-lt"/>
+                <a:ea typeface="+mj-ea"/>
+                <a:cs typeface="+mj-cs"/>
+              </a:rPr>
+              <a:t>soportadas</a:t>
+            </a:r>
+            <a:r>
+              <a:rPr lang="en-US" sz="6600" kern="1200" dirty="0">
+                <a:solidFill>
+                  <a:srgbClr val="FFFFFF"/>
+                </a:solidFill>
+                <a:latin typeface="+mj-lt"/>
+                <a:ea typeface="+mj-ea"/>
+                <a:cs typeface="+mj-cs"/>
+              </a:rPr>
+              <a:t> ( </a:t>
+            </a:r>
+            <a:r>
+              <a:rPr lang="en-US" sz="6600" kern="1200" dirty="0" err="1">
+                <a:solidFill>
+                  <a:srgbClr val="FFFFFF"/>
+                </a:solidFill>
+                <a:latin typeface="+mj-lt"/>
+                <a:ea typeface="+mj-ea"/>
+                <a:cs typeface="+mj-cs"/>
+              </a:rPr>
+              <a:t>todas</a:t>
+            </a:r>
+            <a:r>
+              <a:rPr lang="en-US" sz="6600" dirty="0">
+                <a:solidFill>
+                  <a:srgbClr val="FFFFFF"/>
+                </a:solidFill>
+              </a:rPr>
+              <a:t>)</a:t>
+            </a:r>
+            <a:endParaRPr lang="en-US" sz="6600" kern="1200" dirty="0">
+              <a:solidFill>
+                <a:srgbClr val="FFFFFF"/>
+              </a:solidFill>
+              <a:latin typeface="+mj-lt"/>
+              <a:ea typeface="+mj-ea"/>
+              <a:cs typeface="+mj-cs"/>
+            </a:endParaRPr>
+          </a:p>
+        </p:txBody>
+      </p:sp>
+      <p:sp>
+        <p:nvSpPr>
+          <p:cNvPr id="12" name="Rectangle 11">
+            <a:extLst>
+              <a:ext uri="{FF2B5EF4-FFF2-40B4-BE49-F238E27FC236}">
+                <a16:creationId xmlns:a16="http://schemas.microsoft.com/office/drawing/2014/main" id="{927CAFC9-A675-4314-84EF-236FFA58A3F2}"/>
+              </a:ext>
+              <a:ext uri="{C183D7F6-B498-43B3-948B-1728B52AA6E4}">
+                <adec:decorative xmlns:adec="http://schemas.microsoft.com/office/drawing/2017/decorative" val="1"/>
+              </a:ext>
+            </a:extLst>
+          </p:cNvPr>
+          <p:cNvSpPr>
+            <a:spLocks noGrp="1" noRot="1" noChangeAspect="1" noMove="1" noResize="1" noEditPoints="1" noAdjustHandles="1" noChangeArrowheads="1" noChangeShapeType="1" noTextEdit="1"/>
+          </p:cNvSpPr>
+          <p:nvPr>
+            <p:extLst>
+              <p:ext uri="{386F3935-93C4-4BCD-93E2-E3B085C9AB24}">
+                <p16:designElem xmlns:p16="http://schemas.microsoft.com/office/powerpoint/2015/main" val="1"/>
+              </p:ext>
+            </p:extLst>
+          </p:nvPr>
+        </p:nvSpPr>
+        <p:spPr>
+          <a:xfrm>
+            <a:off x="9619345" y="2490532"/>
+            <a:ext cx="2110597" cy="1877811"/>
+          </a:xfrm>
+          <a:prstGeom prst="rect">
+            <a:avLst/>
+          </a:prstGeom>
+          <a:solidFill>
+            <a:srgbClr val="7F7F7F">
+              <a:alpha val="20000"/>
+            </a:srgbClr>
+          </a:solidFill>
+          <a:ln w="25400">
+            <a:noFill/>
+          </a:ln>
+        </p:spPr>
+        <p:style>
+          <a:lnRef idx="2">
+            <a:schemeClr val="accent1">
+              <a:shade val="50000"/>
+            </a:schemeClr>
+          </a:lnRef>
+          <a:fillRef idx="1">
+            <a:schemeClr val="accent1"/>
+          </a:fillRef>
+          <a:effectRef idx="0">
+            <a:schemeClr val="accent1"/>
+          </a:effectRef>
+          <a:fontRef idx="minor">
+            <a:schemeClr val="lt1"/>
+          </a:fontRef>
+        </p:style>
+        <p:txBody>
+          <a:bodyPr rtlCol="0" anchor="ctr"/>
+          <a:lstStyle/>
+          <a:p>
+            <a:pPr marL="0" marR="0" lvl="0" indent="0" algn="ctr" defTabSz="914400" rtl="0" eaLnBrk="1" fontAlgn="auto" latinLnBrk="0" hangingPunct="1">
+              <a:lnSpc>
+                <a:spcPct val="100000"/>
+              </a:lnSpc>
+              <a:spcBef>
+                <a:spcPts val="0"/>
+              </a:spcBef>
+              <a:spcAft>
+                <a:spcPts val="0"/>
+              </a:spcAft>
+              <a:buClrTx/>
+              <a:buSzTx/>
+              <a:buFontTx/>
+              <a:buNone/>
+              <a:tabLst/>
+              <a:defRPr/>
+            </a:pPr>
+            <a:endParaRPr kumimoji="0" lang="en-US" sz="1800" b="0" i="0" u="none" strike="noStrike" kern="1200" cap="none" spc="0" normalizeH="0" baseline="0" noProof="0">
+              <a:ln>
+                <a:noFill/>
+              </a:ln>
+              <a:solidFill>
+                <a:srgbClr val="FFFFFF"/>
+              </a:solidFill>
+              <a:effectLst/>
+              <a:uLnTx/>
+              <a:uFillTx/>
+              <a:latin typeface="Calibri" panose="020F0502020204030204"/>
+              <a:ea typeface="+mn-ea"/>
+              <a:cs typeface="+mn-cs"/>
+            </a:endParaRPr>
+          </a:p>
+        </p:txBody>
+      </p:sp>
+      <p:sp>
+        <p:nvSpPr>
+          <p:cNvPr id="14" name="Rectangle 13">
+            <a:extLst>
+              <a:ext uri="{FF2B5EF4-FFF2-40B4-BE49-F238E27FC236}">
+                <a16:creationId xmlns:a16="http://schemas.microsoft.com/office/drawing/2014/main" id="{FBE9F90C-C163-435B-9A68-D15C92D1CF2B}"/>
+              </a:ext>
+              <a:ext uri="{C183D7F6-B498-43B3-948B-1728B52AA6E4}">
+                <adec:decorative xmlns:adec="http://schemas.microsoft.com/office/drawing/2017/decorative" val="1"/>
+              </a:ext>
+            </a:extLst>
+          </p:cNvPr>
+          <p:cNvSpPr>
+            <a:spLocks noGrp="1" noRot="1" noChangeAspect="1" noMove="1" noResize="1" noEditPoints="1" noAdjustHandles="1" noChangeArrowheads="1" noChangeShapeType="1" noTextEdit="1"/>
+          </p:cNvSpPr>
+          <p:nvPr>
+            <p:extLst>
+              <p:ext uri="{386F3935-93C4-4BCD-93E2-E3B085C9AB24}">
+                <p16:designElem xmlns:p16="http://schemas.microsoft.com/office/powerpoint/2015/main" val="1"/>
+              </p:ext>
+            </p:extLst>
+          </p:nvPr>
+        </p:nvSpPr>
+        <p:spPr>
+          <a:xfrm>
+            <a:off x="457200" y="4521269"/>
+            <a:ext cx="11277600" cy="1877811"/>
+          </a:xfrm>
+          <a:prstGeom prst="rect">
+            <a:avLst/>
+          </a:prstGeom>
+          <a:solidFill>
+            <a:srgbClr val="7F7F7F">
+              <a:alpha val="20000"/>
+            </a:srgbClr>
+          </a:solidFill>
+          <a:ln w="25400">
+            <a:noFill/>
+          </a:ln>
+        </p:spPr>
+        <p:style>
+          <a:lnRef idx="2">
+            <a:schemeClr val="accent1">
+              <a:shade val="50000"/>
+            </a:schemeClr>
+          </a:lnRef>
+          <a:fillRef idx="1">
+            <a:schemeClr val="accent1"/>
+          </a:fillRef>
+          <a:effectRef idx="0">
+            <a:schemeClr val="accent1"/>
+          </a:effectRef>
+          <a:fontRef idx="minor">
+            <a:schemeClr val="lt1"/>
+          </a:fontRef>
+        </p:style>
+        <p:txBody>
+          <a:bodyPr rtlCol="0" anchor="ctr"/>
+          <a:lstStyle/>
+          <a:p>
+            <a:pPr marL="0" marR="0" lvl="0" indent="0" algn="ctr" defTabSz="914400" rtl="0" eaLnBrk="1" fontAlgn="auto" latinLnBrk="0" hangingPunct="1">
+              <a:lnSpc>
+                <a:spcPct val="100000"/>
+              </a:lnSpc>
+              <a:spcBef>
+                <a:spcPts val="0"/>
+              </a:spcBef>
+              <a:spcAft>
+                <a:spcPts val="0"/>
+              </a:spcAft>
+              <a:buClrTx/>
+              <a:buSzTx/>
+              <a:buFontTx/>
+              <a:buNone/>
+              <a:tabLst/>
+              <a:defRPr/>
+            </a:pPr>
+            <a:endParaRPr kumimoji="0" lang="en-US" sz="1800" b="0" i="0" u="none" strike="noStrike" kern="1200" cap="none" spc="0" normalizeH="0" baseline="0" noProof="0">
+              <a:ln>
+                <a:noFill/>
+              </a:ln>
+              <a:solidFill>
+                <a:srgbClr val="FFFFFF"/>
+              </a:solidFill>
+              <a:effectLst/>
+              <a:uLnTx/>
+              <a:uFillTx/>
+              <a:latin typeface="Calibri" panose="020F0502020204030204"/>
+              <a:ea typeface="+mn-ea"/>
+              <a:cs typeface="+mn-cs"/>
+            </a:endParaRPr>
+          </a:p>
+        </p:txBody>
+      </p:sp>
+      <p:sp>
+        <p:nvSpPr>
+          <p:cNvPr id="16" name="Rectangle 15">
+            <a:extLst>
+              <a:ext uri="{FF2B5EF4-FFF2-40B4-BE49-F238E27FC236}">
+                <a16:creationId xmlns:a16="http://schemas.microsoft.com/office/drawing/2014/main" id="{1A882A9F-F4E9-4E23-8F0B-20B5DF42EAA9}"/>
+              </a:ext>
+              <a:ext uri="{C183D7F6-B498-43B3-948B-1728B52AA6E4}">
+                <adec:decorative xmlns:adec="http://schemas.microsoft.com/office/drawing/2017/decorative" val="1"/>
+              </a:ext>
+            </a:extLst>
+          </p:cNvPr>
+          <p:cNvSpPr>
+            <a:spLocks noGrp="1" noRot="1" noChangeAspect="1" noMove="1" noResize="1" noEditPoints="1" noAdjustHandles="1" noChangeArrowheads="1" noChangeShapeType="1" noTextEdit="1"/>
+          </p:cNvSpPr>
+          <p:nvPr>
+            <p:extLst>
+              <p:ext uri="{386F3935-93C4-4BCD-93E2-E3B085C9AB24}">
+                <p16:designElem xmlns:p16="http://schemas.microsoft.com/office/powerpoint/2015/main" val="1"/>
+              </p:ext>
+            </p:extLst>
+          </p:nvPr>
+        </p:nvSpPr>
+        <p:spPr>
+          <a:xfrm>
+            <a:off x="9619345" y="450221"/>
+            <a:ext cx="2115455" cy="1890204"/>
+          </a:xfrm>
+          <a:prstGeom prst="rect">
+            <a:avLst/>
+          </a:prstGeom>
+          <a:solidFill>
+            <a:schemeClr val="accent1">
+              <a:alpha val="95000"/>
+            </a:schemeClr>
+          </a:solidFill>
+          <a:ln w="25400">
+            <a:noFill/>
+          </a:ln>
+        </p:spPr>
+        <p:style>
+          <a:lnRef idx="2">
+            <a:schemeClr val="accent1">
+              <a:shade val="50000"/>
+            </a:schemeClr>
+          </a:lnRef>
+          <a:fillRef idx="1">
+            <a:schemeClr val="accent1"/>
+          </a:fillRef>
+          <a:effectRef idx="0">
+            <a:schemeClr val="accent1"/>
+          </a:effectRef>
+          <a:fontRef idx="minor">
+            <a:schemeClr val="lt1"/>
+          </a:fontRef>
+        </p:style>
+        <p:txBody>
+          <a:bodyPr rtlCol="0" anchor="ctr"/>
+          <a:lstStyle/>
+          <a:p>
+            <a:pPr marL="0" marR="0" lvl="0" indent="0" algn="ctr" defTabSz="914400" rtl="0" eaLnBrk="1" fontAlgn="auto" latinLnBrk="0" hangingPunct="1">
+              <a:lnSpc>
+                <a:spcPct val="100000"/>
+              </a:lnSpc>
+              <a:spcBef>
+                <a:spcPts val="0"/>
+              </a:spcBef>
+              <a:spcAft>
+                <a:spcPts val="0"/>
+              </a:spcAft>
+              <a:buClrTx/>
+              <a:buSzTx/>
+              <a:buFontTx/>
+              <a:buNone/>
+              <a:tabLst/>
+              <a:defRPr/>
+            </a:pPr>
+            <a:endParaRPr kumimoji="0" lang="en-US" sz="1800" b="0" i="0" u="none" strike="noStrike" kern="1200" cap="none" spc="0" normalizeH="0" baseline="0" noProof="0">
+              <a:ln>
+                <a:noFill/>
+              </a:ln>
+              <a:solidFill>
+                <a:srgbClr val="FFFFFF"/>
+              </a:solidFill>
+              <a:effectLst/>
+              <a:uLnTx/>
+              <a:uFillTx/>
+              <a:latin typeface="Calibri" panose="020F0502020204030204"/>
+              <a:ea typeface="+mn-ea"/>
+              <a:cs typeface="+mn-cs"/>
+            </a:endParaRPr>
+          </a:p>
+        </p:txBody>
+      </p:sp>
+      <p:pic>
+        <p:nvPicPr>
+          <p:cNvPr id="7" name="Graphic 6">
+            <a:extLst>
+              <a:ext uri="{FF2B5EF4-FFF2-40B4-BE49-F238E27FC236}">
+                <a16:creationId xmlns:a16="http://schemas.microsoft.com/office/drawing/2014/main" id="{C2BD2CEB-664A-46FC-8F51-E3E4888FC202}"/>
+              </a:ext>
+            </a:extLst>
+          </p:cNvPr>
+          <p:cNvPicPr>
+            <a:picLocks noChangeAspect="1"/>
+          </p:cNvPicPr>
+          <p:nvPr/>
+        </p:nvPicPr>
+        <p:blipFill>
+          <a:blip r:embed="rId2">
+            <a:extLst>
+              <a:ext uri="{28A0092B-C50C-407E-A947-70E740481C1C}">
+                <a14:useLocalDpi xmlns:a14="http://schemas.microsoft.com/office/drawing/2010/main" val="0"/>
+              </a:ext>
+              <a:ext uri="{96DAC541-7B7A-43D3-8B79-37D633B846F1}">
+                <asvg:svgBlip xmlns:asvg="http://schemas.microsoft.com/office/drawing/2016/SVG/main" r:embed="rId3"/>
+              </a:ext>
+            </a:extLst>
+          </a:blip>
+          <a:stretch>
+            <a:fillRect/>
+          </a:stretch>
+        </p:blipFill>
+        <p:spPr>
+          <a:xfrm>
+            <a:off x="9857725" y="2612676"/>
+            <a:ext cx="1632648" cy="1632648"/>
+          </a:xfrm>
+          <a:prstGeom prst="rect">
+            <a:avLst/>
+          </a:prstGeom>
+        </p:spPr>
+      </p:pic>
+    </p:spTree>
+    <p:extLst>
+      <p:ext uri="{BB962C8B-B14F-4D97-AF65-F5344CB8AC3E}">
+        <p14:creationId xmlns:p14="http://schemas.microsoft.com/office/powerpoint/2010/main" val="1208538269"/>
+      </p:ext>
+    </p:extLst>
+  </p:cSld>
+  <p:clrMapOvr>
+    <a:masterClrMapping/>
+  </p:clrMapOvr>
+</p:sld>
+</file>
+
 <file path=ppt/theme/theme1.xml><?xml version="1.0" encoding="utf-8"?>
 <a:theme xmlns:a="http://schemas.openxmlformats.org/drawingml/2006/main" name="Tema de Office">
   <a:themeElements>
